--- a/outside-in-tdd.pptx
+++ b/outside-in-tdd.pptx
@@ -3391,7 +3391,7 @@
                 </a:uFill>
                 <a:latin typeface="Calibri"/>
               </a:rPr>
-              <a:t>20/04/2018</a:t>
+              <a:t>30/05/2018</a:t>
             </a:fld>
             <a:endParaRPr lang="en-GB" sz="1400" b="0" strike="noStrike" spc="-1">
               <a:solidFill>
@@ -4249,7 +4249,7 @@
                 </a:uFill>
                 <a:latin typeface="Calibri"/>
               </a:rPr>
-              <a:t>20/04/2018</a:t>
+              <a:t>30/05/2018</a:t>
             </a:fld>
             <a:endParaRPr lang="en-GB" sz="1400" b="0" strike="noStrike" spc="-1">
               <a:solidFill>
@@ -5208,7 +5208,7 @@
                 </a:uFill>
                 <a:latin typeface="Calibri"/>
               </a:rPr>
-              <a:t>Acceptance Test will fail for a while </a:t>
+              <a:t>Acceptance test will fail for a while </a:t>
             </a:r>
             <a:endParaRPr lang="en-US" sz="3600" b="0" strike="noStrike" spc="-1" dirty="0">
               <a:solidFill>
@@ -5991,7 +5991,7 @@
                 </a:uFill>
                 <a:latin typeface="Calibri"/>
               </a:rPr>
-              <a:t>Dive in to a problem</a:t>
+              <a:t>Dive into some code</a:t>
             </a:r>
             <a:endParaRPr lang="en-US" sz="1800" b="0" strike="noStrike" spc="-1" dirty="0">
               <a:solidFill>
